--- a/lectures/Raster_lecture.pptx
+++ b/lectures/Raster_lecture.pptx
@@ -5,7 +5,7 @@
     <p:sldMasterId id="2147483648" r:id="rId1"/>
   </p:sldMasterIdLst>
   <p:notesMasterIdLst>
-    <p:notesMasterId r:id="rId16"/>
+    <p:notesMasterId r:id="rId13"/>
   </p:notesMasterIdLst>
   <p:sldIdLst>
     <p:sldId id="447" r:id="rId2"/>
@@ -18,10 +18,7 @@
     <p:sldId id="445" r:id="rId9"/>
     <p:sldId id="388" r:id="rId10"/>
     <p:sldId id="448" r:id="rId11"/>
-    <p:sldId id="436" r:id="rId12"/>
-    <p:sldId id="437" r:id="rId13"/>
-    <p:sldId id="438" r:id="rId14"/>
-    <p:sldId id="439" r:id="rId15"/>
+    <p:sldId id="439" r:id="rId12"/>
   </p:sldIdLst>
   <p:sldSz cx="9144000" cy="6858000" type="screen4x3"/>
   <p:notesSz cx="6858000" cy="9144000"/>
@@ -3589,7 +3586,7 @@
             <a:fld id="{833472B6-23BF-4B44-A338-97E70C711891}" type="datetimeFigureOut">
               <a:rPr lang="en-US" smtClean="0"/>
               <a:pPr/>
-              <a:t>5/13/2022</a:t>
+              <a:t>5/15/2023</a:t>
             </a:fld>
             <a:endParaRPr lang="en-US"/>
           </a:p>
@@ -4117,7 +4114,7 @@
             <a:fld id="{C66D7397-C25C-4F92-8192-2807646A1642}" type="datetimeFigureOut">
               <a:rPr lang="en-US" smtClean="0"/>
               <a:pPr/>
-              <a:t>5/13/2022</a:t>
+              <a:t>5/15/2023</a:t>
             </a:fld>
             <a:endParaRPr lang="en-US"/>
           </a:p>
@@ -4285,7 +4282,7 @@
             <a:fld id="{C66D7397-C25C-4F92-8192-2807646A1642}" type="datetimeFigureOut">
               <a:rPr lang="en-US" smtClean="0"/>
               <a:pPr/>
-              <a:t>5/13/2022</a:t>
+              <a:t>5/15/2023</a:t>
             </a:fld>
             <a:endParaRPr lang="en-US"/>
           </a:p>
@@ -4463,7 +4460,7 @@
             <a:fld id="{C66D7397-C25C-4F92-8192-2807646A1642}" type="datetimeFigureOut">
               <a:rPr lang="en-US" smtClean="0"/>
               <a:pPr/>
-              <a:t>5/13/2022</a:t>
+              <a:t>5/15/2023</a:t>
             </a:fld>
             <a:endParaRPr lang="en-US"/>
           </a:p>
@@ -4631,7 +4628,7 @@
             <a:fld id="{C66D7397-C25C-4F92-8192-2807646A1642}" type="datetimeFigureOut">
               <a:rPr lang="en-US" smtClean="0"/>
               <a:pPr/>
-              <a:t>5/13/2022</a:t>
+              <a:t>5/15/2023</a:t>
             </a:fld>
             <a:endParaRPr lang="en-US"/>
           </a:p>
@@ -4876,7 +4873,7 @@
             <a:fld id="{C66D7397-C25C-4F92-8192-2807646A1642}" type="datetimeFigureOut">
               <a:rPr lang="en-US" smtClean="0"/>
               <a:pPr/>
-              <a:t>5/13/2022</a:t>
+              <a:t>5/15/2023</a:t>
             </a:fld>
             <a:endParaRPr lang="en-US"/>
           </a:p>
@@ -5161,7 +5158,7 @@
             <a:fld id="{C66D7397-C25C-4F92-8192-2807646A1642}" type="datetimeFigureOut">
               <a:rPr lang="en-US" smtClean="0"/>
               <a:pPr/>
-              <a:t>5/13/2022</a:t>
+              <a:t>5/15/2023</a:t>
             </a:fld>
             <a:endParaRPr lang="en-US"/>
           </a:p>
@@ -5580,7 +5577,7 @@
             <a:fld id="{C66D7397-C25C-4F92-8192-2807646A1642}" type="datetimeFigureOut">
               <a:rPr lang="en-US" smtClean="0"/>
               <a:pPr/>
-              <a:t>5/13/2022</a:t>
+              <a:t>5/15/2023</a:t>
             </a:fld>
             <a:endParaRPr lang="en-US"/>
           </a:p>
@@ -5697,7 +5694,7 @@
             <a:fld id="{C66D7397-C25C-4F92-8192-2807646A1642}" type="datetimeFigureOut">
               <a:rPr lang="en-US" smtClean="0"/>
               <a:pPr/>
-              <a:t>5/13/2022</a:t>
+              <a:t>5/15/2023</a:t>
             </a:fld>
             <a:endParaRPr lang="en-US"/>
           </a:p>
@@ -5792,7 +5789,7 @@
             <a:fld id="{C66D7397-C25C-4F92-8192-2807646A1642}" type="datetimeFigureOut">
               <a:rPr lang="en-US" smtClean="0"/>
               <a:pPr/>
-              <a:t>5/13/2022</a:t>
+              <a:t>5/15/2023</a:t>
             </a:fld>
             <a:endParaRPr lang="en-US"/>
           </a:p>
@@ -6067,7 +6064,7 @@
             <a:fld id="{C66D7397-C25C-4F92-8192-2807646A1642}" type="datetimeFigureOut">
               <a:rPr lang="en-US" smtClean="0"/>
               <a:pPr/>
-              <a:t>5/13/2022</a:t>
+              <a:t>5/15/2023</a:t>
             </a:fld>
             <a:endParaRPr lang="en-US"/>
           </a:p>
@@ -6322,7 +6319,7 @@
             <a:fld id="{C66D7397-C25C-4F92-8192-2807646A1642}" type="datetimeFigureOut">
               <a:rPr lang="en-US" smtClean="0"/>
               <a:pPr/>
-              <a:t>5/13/2022</a:t>
+              <a:t>5/15/2023</a:t>
             </a:fld>
             <a:endParaRPr lang="en-US"/>
           </a:p>
@@ -6571,7 +6568,7 @@
             <a:fld id="{C66D7397-C25C-4F92-8192-2807646A1642}" type="datetimeFigureOut">
               <a:rPr lang="en-US" smtClean="0"/>
               <a:pPr/>
-              <a:t>5/13/2022</a:t>
+              <a:t>5/15/2023</a:t>
             </a:fld>
             <a:endParaRPr lang="en-US"/>
           </a:p>
@@ -8354,965 +8351,7 @@
                 <a:ea typeface="+mj-ea"/>
                 <a:cs typeface="+mj-cs"/>
               </a:rPr>
-              <a:t>Rasters in R – </a:t>
-            </a:r>
-            <a:r>
-              <a:rPr lang="en-US" sz="2800" b="1" dirty="0" err="1">
-                <a:ln w="10541" cmpd="sng">
-                  <a:solidFill>
-                    <a:schemeClr val="accent1">
-                      <a:shade val="88000"/>
-                      <a:satMod val="110000"/>
-                    </a:schemeClr>
-                  </a:solidFill>
-                  <a:prstDash val="solid"/>
-                </a:ln>
-                <a:solidFill>
-                  <a:schemeClr val="bg1"/>
-                </a:solidFill>
-                <a:effectLst>
-                  <a:outerShdw blurRad="38100" dist="38100" dir="2700000" algn="tl">
-                    <a:srgbClr val="000000">
-                      <a:alpha val="43137"/>
-                    </a:srgbClr>
-                  </a:outerShdw>
-                </a:effectLst>
-                <a:latin typeface="Garamond" pitchFamily="18" charset="0"/>
-                <a:ea typeface="+mj-ea"/>
-                <a:cs typeface="+mj-cs"/>
-              </a:rPr>
-              <a:t>sp</a:t>
-            </a:r>
-            <a:r>
-              <a:rPr lang="en-US" sz="2800" b="1" dirty="0">
-                <a:ln w="10541" cmpd="sng">
-                  <a:solidFill>
-                    <a:schemeClr val="accent1">
-                      <a:shade val="88000"/>
-                      <a:satMod val="110000"/>
-                    </a:schemeClr>
-                  </a:solidFill>
-                  <a:prstDash val="solid"/>
-                </a:ln>
-                <a:solidFill>
-                  <a:schemeClr val="bg1"/>
-                </a:solidFill>
-                <a:effectLst>
-                  <a:outerShdw blurRad="38100" dist="38100" dir="2700000" algn="tl">
-                    <a:srgbClr val="000000">
-                      <a:alpha val="43137"/>
-                    </a:srgbClr>
-                  </a:outerShdw>
-                </a:effectLst>
-                <a:latin typeface="Garamond" pitchFamily="18" charset="0"/>
-                <a:ea typeface="+mj-ea"/>
-                <a:cs typeface="+mj-cs"/>
-              </a:rPr>
-              <a:t> library </a:t>
-            </a:r>
-            <a:endParaRPr kumimoji="0" lang="en-US" sz="2800" b="1" i="0" u="none" strike="noStrike" kern="1200" cap="none" spc="0" normalizeH="0" baseline="0" noProof="0" dirty="0">
-              <a:ln w="10541" cmpd="sng">
-                <a:solidFill>
-                  <a:schemeClr val="accent1">
-                    <a:shade val="88000"/>
-                    <a:satMod val="110000"/>
-                  </a:schemeClr>
-                </a:solidFill>
-                <a:prstDash val="solid"/>
-              </a:ln>
-              <a:solidFill>
-                <a:schemeClr val="bg1"/>
-              </a:solidFill>
-              <a:effectLst>
-                <a:outerShdw blurRad="38100" dist="38100" dir="2700000" algn="tl">
-                  <a:srgbClr val="000000">
-                    <a:alpha val="43137"/>
-                  </a:srgbClr>
-                </a:outerShdw>
-              </a:effectLst>
-              <a:uLnTx/>
-              <a:uFillTx/>
-              <a:latin typeface="Garamond" pitchFamily="18" charset="0"/>
-              <a:ea typeface="+mj-ea"/>
-              <a:cs typeface="+mj-cs"/>
-            </a:endParaRPr>
-          </a:p>
-        </p:txBody>
-      </p:sp>
-      <p:sp>
-        <p:nvSpPr>
-          <p:cNvPr id="4" name="TextBox 3"/>
-          <p:cNvSpPr txBox="1"/>
-          <p:nvPr/>
-        </p:nvSpPr>
-        <p:spPr>
-          <a:xfrm>
-            <a:off x="1723606" y="1191697"/>
-            <a:ext cx="7119179" cy="5424255"/>
-          </a:xfrm>
-          <a:prstGeom prst="rect">
-            <a:avLst/>
-          </a:prstGeom>
-          <a:noFill/>
-        </p:spPr>
-        <p:txBody>
-          <a:bodyPr wrap="square" rtlCol="0">
-            <a:noAutofit/>
-          </a:bodyPr>
-          <a:lstStyle/>
-          <a:p>
-            <a:r>
-              <a:rPr lang="en-US" sz="2800" dirty="0" err="1">
-                <a:solidFill>
-                  <a:schemeClr val="bg1"/>
-                </a:solidFill>
-                <a:latin typeface="Times New Roman" panose="02020603050405020304" pitchFamily="18" charset="0"/>
-                <a:cs typeface="Times New Roman" panose="02020603050405020304" pitchFamily="18" charset="0"/>
-              </a:rPr>
-              <a:t>sp</a:t>
-            </a:r>
-            <a:r>
-              <a:rPr lang="en-US" sz="2800" dirty="0">
-                <a:solidFill>
-                  <a:schemeClr val="bg1"/>
-                </a:solidFill>
-                <a:latin typeface="Times New Roman" panose="02020603050405020304" pitchFamily="18" charset="0"/>
-                <a:cs typeface="Times New Roman" panose="02020603050405020304" pitchFamily="18" charset="0"/>
-              </a:rPr>
-              <a:t> raster objects are similar to other feature classes and are just stored as a systematic point array or grid mesh. </a:t>
-            </a:r>
-          </a:p>
-          <a:p>
-            <a:endParaRPr lang="en-US" sz="2000" dirty="0">
-              <a:solidFill>
-                <a:schemeClr val="bg1"/>
-              </a:solidFill>
-              <a:latin typeface="Times New Roman" panose="02020603050405020304" pitchFamily="18" charset="0"/>
-              <a:cs typeface="Times New Roman" panose="02020603050405020304" pitchFamily="18" charset="0"/>
-            </a:endParaRPr>
-          </a:p>
-          <a:p>
-            <a:r>
-              <a:rPr lang="en-US" sz="2800" dirty="0">
-                <a:solidFill>
-                  <a:schemeClr val="bg1"/>
-                </a:solidFill>
-                <a:latin typeface="Times New Roman" panose="02020603050405020304" pitchFamily="18" charset="0"/>
-                <a:cs typeface="Times New Roman" panose="02020603050405020304" pitchFamily="18" charset="0"/>
-              </a:rPr>
-              <a:t>Slots for a “</a:t>
-            </a:r>
-            <a:r>
-              <a:rPr lang="en-US" sz="2800" dirty="0" err="1">
-                <a:solidFill>
-                  <a:schemeClr val="bg1"/>
-                </a:solidFill>
-                <a:latin typeface="Times New Roman" panose="02020603050405020304" pitchFamily="18" charset="0"/>
-                <a:cs typeface="Times New Roman" panose="02020603050405020304" pitchFamily="18" charset="0"/>
-              </a:rPr>
-              <a:t>SpatialPixelsDataFrame</a:t>
-            </a:r>
-            <a:r>
-              <a:rPr lang="en-US" sz="2800" dirty="0">
-                <a:solidFill>
-                  <a:schemeClr val="bg1"/>
-                </a:solidFill>
-                <a:latin typeface="Times New Roman" panose="02020603050405020304" pitchFamily="18" charset="0"/>
-                <a:cs typeface="Times New Roman" panose="02020603050405020304" pitchFamily="18" charset="0"/>
-              </a:rPr>
-              <a:t>“ are generally: @data, @grid, @</a:t>
-            </a:r>
-            <a:r>
-              <a:rPr lang="en-US" sz="2800" dirty="0" err="1">
-                <a:solidFill>
-                  <a:schemeClr val="bg1"/>
-                </a:solidFill>
-                <a:latin typeface="Times New Roman" panose="02020603050405020304" pitchFamily="18" charset="0"/>
-                <a:cs typeface="Times New Roman" panose="02020603050405020304" pitchFamily="18" charset="0"/>
-              </a:rPr>
-              <a:t>coords</a:t>
-            </a:r>
-            <a:r>
-              <a:rPr lang="en-US" sz="2800" dirty="0">
-                <a:solidFill>
-                  <a:schemeClr val="bg1"/>
-                </a:solidFill>
-                <a:latin typeface="Times New Roman" panose="02020603050405020304" pitchFamily="18" charset="0"/>
-                <a:cs typeface="Times New Roman" panose="02020603050405020304" pitchFamily="18" charset="0"/>
-              </a:rPr>
-              <a:t>, @</a:t>
-            </a:r>
-            <a:r>
-              <a:rPr lang="en-US" sz="2800" dirty="0" err="1">
-                <a:solidFill>
-                  <a:schemeClr val="bg1"/>
-                </a:solidFill>
-                <a:latin typeface="Times New Roman" panose="02020603050405020304" pitchFamily="18" charset="0"/>
-                <a:cs typeface="Times New Roman" panose="02020603050405020304" pitchFamily="18" charset="0"/>
-              </a:rPr>
-              <a:t>bbox</a:t>
-            </a:r>
-            <a:r>
-              <a:rPr lang="en-US" sz="2800" dirty="0">
-                <a:solidFill>
-                  <a:schemeClr val="bg1"/>
-                </a:solidFill>
-                <a:latin typeface="Times New Roman" panose="02020603050405020304" pitchFamily="18" charset="0"/>
-                <a:cs typeface="Times New Roman" panose="02020603050405020304" pitchFamily="18" charset="0"/>
-              </a:rPr>
-              <a:t>, @proj4string</a:t>
-            </a:r>
-          </a:p>
-          <a:p>
-            <a:endParaRPr lang="en-US" sz="2000" dirty="0">
-              <a:solidFill>
-                <a:schemeClr val="bg1"/>
-              </a:solidFill>
-              <a:latin typeface="Times New Roman" panose="02020603050405020304" pitchFamily="18" charset="0"/>
-              <a:cs typeface="Times New Roman" panose="02020603050405020304" pitchFamily="18" charset="0"/>
-            </a:endParaRPr>
-          </a:p>
-          <a:p>
-            <a:r>
-              <a:rPr lang="en-US" sz="2800" dirty="0">
-                <a:solidFill>
-                  <a:schemeClr val="bg1"/>
-                </a:solidFill>
-                <a:latin typeface="Times New Roman" panose="02020603050405020304" pitchFamily="18" charset="0"/>
-                <a:cs typeface="Times New Roman" panose="02020603050405020304" pitchFamily="18" charset="0"/>
-              </a:rPr>
-              <a:t>Can be imported using “</a:t>
-            </a:r>
-            <a:r>
-              <a:rPr lang="en-US" sz="2800" dirty="0" err="1">
-                <a:solidFill>
-                  <a:schemeClr val="bg1"/>
-                </a:solidFill>
-                <a:latin typeface="Times New Roman" panose="02020603050405020304" pitchFamily="18" charset="0"/>
-                <a:cs typeface="Times New Roman" panose="02020603050405020304" pitchFamily="18" charset="0"/>
-              </a:rPr>
-              <a:t>readGDAL</a:t>
-            </a:r>
-            <a:r>
-              <a:rPr lang="en-US" sz="2800" dirty="0">
-                <a:solidFill>
-                  <a:schemeClr val="bg1"/>
-                </a:solidFill>
-                <a:latin typeface="Times New Roman" panose="02020603050405020304" pitchFamily="18" charset="0"/>
-                <a:cs typeface="Times New Roman" panose="02020603050405020304" pitchFamily="18" charset="0"/>
-              </a:rPr>
-              <a:t>” in “</a:t>
-            </a:r>
-            <a:r>
-              <a:rPr lang="en-US" sz="2800" dirty="0" err="1">
-                <a:solidFill>
-                  <a:schemeClr val="bg1"/>
-                </a:solidFill>
-                <a:latin typeface="Times New Roman" panose="02020603050405020304" pitchFamily="18" charset="0"/>
-                <a:cs typeface="Times New Roman" panose="02020603050405020304" pitchFamily="18" charset="0"/>
-              </a:rPr>
-              <a:t>rgdal</a:t>
-            </a:r>
-            <a:r>
-              <a:rPr lang="en-US" sz="2800" dirty="0">
-                <a:solidFill>
-                  <a:schemeClr val="bg1"/>
-                </a:solidFill>
-                <a:latin typeface="Times New Roman" panose="02020603050405020304" pitchFamily="18" charset="0"/>
-                <a:cs typeface="Times New Roman" panose="02020603050405020304" pitchFamily="18" charset="0"/>
-              </a:rPr>
-              <a:t>” library but, not memory safe</a:t>
-            </a:r>
-          </a:p>
-          <a:p>
-            <a:endParaRPr lang="en-US" sz="2000" dirty="0">
-              <a:solidFill>
-                <a:schemeClr val="bg1"/>
-              </a:solidFill>
-              <a:latin typeface="Times New Roman" panose="02020603050405020304" pitchFamily="18" charset="0"/>
-              <a:cs typeface="Times New Roman" panose="02020603050405020304" pitchFamily="18" charset="0"/>
-            </a:endParaRPr>
-          </a:p>
-          <a:p>
-            <a:r>
-              <a:rPr lang="en-US" sz="2800" dirty="0">
-                <a:solidFill>
-                  <a:schemeClr val="bg1"/>
-                </a:solidFill>
-                <a:latin typeface="Times New Roman" panose="02020603050405020304" pitchFamily="18" charset="0"/>
-                <a:cs typeface="Times New Roman" panose="02020603050405020304" pitchFamily="18" charset="0"/>
-              </a:rPr>
-              <a:t>Useful for multi-attributed rasters (</a:t>
-            </a:r>
-            <a:r>
-              <a:rPr lang="en-US" sz="2800" dirty="0" err="1">
-                <a:solidFill>
-                  <a:schemeClr val="bg1"/>
-                </a:solidFill>
-                <a:latin typeface="Times New Roman" panose="02020603050405020304" pitchFamily="18" charset="0"/>
-                <a:cs typeface="Times New Roman" panose="02020603050405020304" pitchFamily="18" charset="0"/>
-              </a:rPr>
-              <a:t>eg</a:t>
-            </a:r>
-            <a:r>
-              <a:rPr lang="en-US" sz="2800" dirty="0">
-                <a:solidFill>
-                  <a:schemeClr val="bg1"/>
-                </a:solidFill>
-                <a:latin typeface="Times New Roman" panose="02020603050405020304" pitchFamily="18" charset="0"/>
-                <a:cs typeface="Times New Roman" panose="02020603050405020304" pitchFamily="18" charset="0"/>
-              </a:rPr>
-              <a:t>., landcover, soil, etc..)</a:t>
-            </a:r>
-          </a:p>
-        </p:txBody>
-      </p:sp>
-    </p:spTree>
-    <p:extLst>
-      <p:ext uri="{BB962C8B-B14F-4D97-AF65-F5344CB8AC3E}">
-        <p14:creationId xmlns:p14="http://schemas.microsoft.com/office/powerpoint/2010/main" val="2329291075"/>
-      </p:ext>
-    </p:extLst>
-  </p:cSld>
-  <p:clrMapOvr>
-    <a:masterClrMapping/>
-  </p:clrMapOvr>
-  <p:transition spd="med">
-    <p:random/>
-  </p:transition>
-</p:sld>
-</file>
-
-<file path=ppt/slides/slide12.xml><?xml version="1.0" encoding="utf-8"?>
-<p:sld xmlns:a="http://schemas.openxmlformats.org/drawingml/2006/main" xmlns:r="http://schemas.openxmlformats.org/officeDocument/2006/relationships" xmlns:p="http://schemas.openxmlformats.org/presentationml/2006/main">
-  <p:cSld>
-    <p:spTree>
-      <p:nvGrpSpPr>
-        <p:cNvPr id="1" name=""/>
-        <p:cNvGrpSpPr/>
-        <p:nvPr/>
-      </p:nvGrpSpPr>
-      <p:grpSpPr>
-        <a:xfrm>
-          <a:off x="0" y="0"/>
-          <a:ext cx="0" cy="0"/>
-          <a:chOff x="0" y="0"/>
-          <a:chExt cx="0" cy="0"/>
-        </a:xfrm>
-      </p:grpSpPr>
-      <p:sp>
-        <p:nvSpPr>
-          <p:cNvPr id="2" name="Rectangle 2"/>
-          <p:cNvSpPr txBox="1">
-            <a:spLocks noChangeArrowheads="1"/>
-          </p:cNvSpPr>
-          <p:nvPr/>
-        </p:nvSpPr>
-        <p:spPr>
-          <a:xfrm>
-            <a:off x="1849437" y="381000"/>
-            <a:ext cx="4476059" cy="609600"/>
-          </a:xfrm>
-          <a:prstGeom prst="rect">
-            <a:avLst/>
-          </a:prstGeom>
-          <a:solidFill>
-            <a:schemeClr val="accent5">
-              <a:lumMod val="40000"/>
-              <a:lumOff val="60000"/>
-              <a:alpha val="40000"/>
-            </a:schemeClr>
-          </a:solidFill>
-          <a:scene3d>
-            <a:camera prst="orthographicFront"/>
-            <a:lightRig rig="threePt" dir="t"/>
-          </a:scene3d>
-          <a:sp3d>
-            <a:bevelT/>
-          </a:sp3d>
-        </p:spPr>
-        <p:txBody>
-          <a:bodyPr anchor="ctr" anchorCtr="0">
-            <a:normAutofit/>
-          </a:bodyPr>
-          <a:lstStyle/>
-          <a:p>
-            <a:pPr marL="0" marR="0" lvl="0" indent="0" algn="ctr" defTabSz="914400" rtl="0" eaLnBrk="1" fontAlgn="auto" latinLnBrk="0" hangingPunct="1">
-              <a:lnSpc>
-                <a:spcPct val="100000"/>
-              </a:lnSpc>
-              <a:spcBef>
-                <a:spcPct val="0"/>
-              </a:spcBef>
-              <a:spcAft>
-                <a:spcPts val="0"/>
-              </a:spcAft>
-              <a:buClrTx/>
-              <a:buSzTx/>
-              <a:buFontTx/>
-              <a:buNone/>
-              <a:tabLst/>
-              <a:defRPr/>
-            </a:pPr>
-            <a:r>
-              <a:rPr lang="en-US" sz="2800" b="1" dirty="0">
-                <a:ln w="10541" cmpd="sng">
-                  <a:solidFill>
-                    <a:schemeClr val="accent1">
-                      <a:shade val="88000"/>
-                      <a:satMod val="110000"/>
-                    </a:schemeClr>
-                  </a:solidFill>
-                  <a:prstDash val="solid"/>
-                </a:ln>
-                <a:solidFill>
-                  <a:schemeClr val="bg1"/>
-                </a:solidFill>
-                <a:effectLst>
-                  <a:outerShdw blurRad="38100" dist="38100" dir="2700000" algn="tl">
-                    <a:srgbClr val="000000">
-                      <a:alpha val="43137"/>
-                    </a:srgbClr>
-                  </a:outerShdw>
-                </a:effectLst>
-                <a:latin typeface="Garamond" pitchFamily="18" charset="0"/>
-                <a:ea typeface="+mj-ea"/>
-                <a:cs typeface="+mj-cs"/>
-              </a:rPr>
-              <a:t>Rasters in R – raster library </a:t>
-            </a:r>
-            <a:endParaRPr kumimoji="0" lang="en-US" sz="2800" b="1" i="0" u="none" strike="noStrike" kern="1200" cap="none" spc="0" normalizeH="0" baseline="0" noProof="0" dirty="0">
-              <a:ln w="10541" cmpd="sng">
-                <a:solidFill>
-                  <a:schemeClr val="accent1">
-                    <a:shade val="88000"/>
-                    <a:satMod val="110000"/>
-                  </a:schemeClr>
-                </a:solidFill>
-                <a:prstDash val="solid"/>
-              </a:ln>
-              <a:solidFill>
-                <a:schemeClr val="bg1"/>
-              </a:solidFill>
-              <a:effectLst>
-                <a:outerShdw blurRad="38100" dist="38100" dir="2700000" algn="tl">
-                  <a:srgbClr val="000000">
-                    <a:alpha val="43137"/>
-                  </a:srgbClr>
-                </a:outerShdw>
-              </a:effectLst>
-              <a:uLnTx/>
-              <a:uFillTx/>
-              <a:latin typeface="Garamond" pitchFamily="18" charset="0"/>
-              <a:ea typeface="+mj-ea"/>
-              <a:cs typeface="+mj-cs"/>
-            </a:endParaRPr>
-          </a:p>
-        </p:txBody>
-      </p:sp>
-      <p:sp>
-        <p:nvSpPr>
-          <p:cNvPr id="4" name="TextBox 3"/>
-          <p:cNvSpPr txBox="1"/>
-          <p:nvPr/>
-        </p:nvSpPr>
-        <p:spPr>
-          <a:xfrm>
-            <a:off x="1678193" y="1290918"/>
-            <a:ext cx="7018768" cy="5191162"/>
-          </a:xfrm>
-          <a:prstGeom prst="rect">
-            <a:avLst/>
-          </a:prstGeom>
-          <a:noFill/>
-        </p:spPr>
-        <p:txBody>
-          <a:bodyPr wrap="square" rtlCol="0">
-            <a:noAutofit/>
-          </a:bodyPr>
-          <a:lstStyle/>
-          <a:p>
-            <a:r>
-              <a:rPr lang="en-US" sz="2800" dirty="0">
-                <a:solidFill>
-                  <a:schemeClr val="bg1"/>
-                </a:solidFill>
-                <a:latin typeface="Times New Roman" panose="02020603050405020304" pitchFamily="18" charset="0"/>
-                <a:cs typeface="Times New Roman" panose="02020603050405020304" pitchFamily="18" charset="0"/>
-              </a:rPr>
-              <a:t>Raster class objects are similar to S4 </a:t>
-            </a:r>
-            <a:r>
-              <a:rPr lang="en-US" sz="2800" dirty="0" err="1">
-                <a:solidFill>
-                  <a:schemeClr val="bg1"/>
-                </a:solidFill>
-                <a:latin typeface="Times New Roman" panose="02020603050405020304" pitchFamily="18" charset="0"/>
-                <a:cs typeface="Times New Roman" panose="02020603050405020304" pitchFamily="18" charset="0"/>
-              </a:rPr>
-              <a:t>sp</a:t>
-            </a:r>
-            <a:r>
-              <a:rPr lang="en-US" sz="2800" dirty="0">
-                <a:solidFill>
-                  <a:schemeClr val="bg1"/>
-                </a:solidFill>
-                <a:latin typeface="Times New Roman" panose="02020603050405020304" pitchFamily="18" charset="0"/>
-                <a:cs typeface="Times New Roman" panose="02020603050405020304" pitchFamily="18" charset="0"/>
-              </a:rPr>
-              <a:t> objects with slots but with some similarities to list objects.</a:t>
-            </a:r>
-          </a:p>
-          <a:p>
-            <a:endParaRPr lang="en-US" sz="2800" dirty="0">
-              <a:solidFill>
-                <a:schemeClr val="bg1"/>
-              </a:solidFill>
-              <a:latin typeface="Times New Roman" panose="02020603050405020304" pitchFamily="18" charset="0"/>
-              <a:cs typeface="Times New Roman" panose="02020603050405020304" pitchFamily="18" charset="0"/>
-            </a:endParaRPr>
-          </a:p>
-          <a:p>
-            <a:r>
-              <a:rPr lang="en-US" sz="2800" dirty="0">
-                <a:solidFill>
-                  <a:schemeClr val="bg1"/>
-                </a:solidFill>
-                <a:latin typeface="Times New Roman" panose="02020603050405020304" pitchFamily="18" charset="0"/>
-                <a:cs typeface="Times New Roman" panose="02020603050405020304" pitchFamily="18" charset="0"/>
-              </a:rPr>
-              <a:t>Unlike slots, that can be called directly, you have to use specific functions to return object attributes. </a:t>
-            </a:r>
-          </a:p>
-          <a:p>
-            <a:endParaRPr lang="en-US" sz="2800" dirty="0">
-              <a:solidFill>
-                <a:schemeClr val="bg1"/>
-              </a:solidFill>
-              <a:latin typeface="Times New Roman" panose="02020603050405020304" pitchFamily="18" charset="0"/>
-              <a:cs typeface="Times New Roman" panose="02020603050405020304" pitchFamily="18" charset="0"/>
-            </a:endParaRPr>
-          </a:p>
-          <a:p>
-            <a:r>
-              <a:rPr lang="en-US" sz="2800" dirty="0">
-                <a:solidFill>
-                  <a:schemeClr val="bg1"/>
-                </a:solidFill>
-                <a:latin typeface="Times New Roman" panose="02020603050405020304" pitchFamily="18" charset="0"/>
-                <a:cs typeface="Times New Roman" panose="02020603050405020304" pitchFamily="18" charset="0"/>
-              </a:rPr>
-              <a:t>Can process data out-of-memory making large raster processing memory safe.</a:t>
-            </a:r>
-          </a:p>
-        </p:txBody>
-      </p:sp>
-    </p:spTree>
-    <p:extLst>
-      <p:ext uri="{BB962C8B-B14F-4D97-AF65-F5344CB8AC3E}">
-        <p14:creationId xmlns:p14="http://schemas.microsoft.com/office/powerpoint/2010/main" val="507211544"/>
-      </p:ext>
-    </p:extLst>
-  </p:cSld>
-  <p:clrMapOvr>
-    <a:masterClrMapping/>
-  </p:clrMapOvr>
-  <p:transition spd="med">
-    <p:random/>
-  </p:transition>
-</p:sld>
-</file>
-
-<file path=ppt/slides/slide13.xml><?xml version="1.0" encoding="utf-8"?>
-<p:sld xmlns:a="http://schemas.openxmlformats.org/drawingml/2006/main" xmlns:r="http://schemas.openxmlformats.org/officeDocument/2006/relationships" xmlns:p="http://schemas.openxmlformats.org/presentationml/2006/main">
-  <p:cSld>
-    <p:spTree>
-      <p:nvGrpSpPr>
-        <p:cNvPr id="1" name=""/>
-        <p:cNvGrpSpPr/>
-        <p:nvPr/>
-      </p:nvGrpSpPr>
-      <p:grpSpPr>
-        <a:xfrm>
-          <a:off x="0" y="0"/>
-          <a:ext cx="0" cy="0"/>
-          <a:chOff x="0" y="0"/>
-          <a:chExt cx="0" cy="0"/>
-        </a:xfrm>
-      </p:grpSpPr>
-      <p:sp>
-        <p:nvSpPr>
-          <p:cNvPr id="2" name="Rectangle 2"/>
-          <p:cNvSpPr txBox="1">
-            <a:spLocks noChangeArrowheads="1"/>
-          </p:cNvSpPr>
-          <p:nvPr/>
-        </p:nvSpPr>
-        <p:spPr>
-          <a:xfrm>
-            <a:off x="1849437" y="381000"/>
-            <a:ext cx="4476059" cy="609600"/>
-          </a:xfrm>
-          <a:prstGeom prst="rect">
-            <a:avLst/>
-          </a:prstGeom>
-          <a:solidFill>
-            <a:schemeClr val="accent5">
-              <a:lumMod val="40000"/>
-              <a:lumOff val="60000"/>
-              <a:alpha val="40000"/>
-            </a:schemeClr>
-          </a:solidFill>
-          <a:scene3d>
-            <a:camera prst="orthographicFront"/>
-            <a:lightRig rig="threePt" dir="t"/>
-          </a:scene3d>
-          <a:sp3d>
-            <a:bevelT/>
-          </a:sp3d>
-        </p:spPr>
-        <p:txBody>
-          <a:bodyPr anchor="ctr" anchorCtr="0">
-            <a:normAutofit/>
-          </a:bodyPr>
-          <a:lstStyle/>
-          <a:p>
-            <a:pPr marL="0" marR="0" lvl="0" indent="0" algn="ctr" defTabSz="914400" rtl="0" eaLnBrk="1" fontAlgn="auto" latinLnBrk="0" hangingPunct="1">
-              <a:lnSpc>
-                <a:spcPct val="100000"/>
-              </a:lnSpc>
-              <a:spcBef>
-                <a:spcPct val="0"/>
-              </a:spcBef>
-              <a:spcAft>
-                <a:spcPts val="0"/>
-              </a:spcAft>
-              <a:buClrTx/>
-              <a:buSzTx/>
-              <a:buFontTx/>
-              <a:buNone/>
-              <a:tabLst/>
-              <a:defRPr/>
-            </a:pPr>
-            <a:r>
-              <a:rPr lang="en-US" sz="2800" b="1" dirty="0">
-                <a:ln w="10541" cmpd="sng">
-                  <a:solidFill>
-                    <a:schemeClr val="accent1">
-                      <a:shade val="88000"/>
-                      <a:satMod val="110000"/>
-                    </a:schemeClr>
-                  </a:solidFill>
-                  <a:prstDash val="solid"/>
-                </a:ln>
-                <a:solidFill>
-                  <a:schemeClr val="bg1"/>
-                </a:solidFill>
-                <a:effectLst>
-                  <a:outerShdw blurRad="38100" dist="38100" dir="2700000" algn="tl">
-                    <a:srgbClr val="000000">
-                      <a:alpha val="43137"/>
-                    </a:srgbClr>
-                  </a:outerShdw>
-                </a:effectLst>
-                <a:latin typeface="Garamond" pitchFamily="18" charset="0"/>
-                <a:ea typeface="+mj-ea"/>
-                <a:cs typeface="+mj-cs"/>
-              </a:rPr>
-              <a:t>Rasters in R – raster library </a:t>
-            </a:r>
-            <a:endParaRPr kumimoji="0" lang="en-US" sz="2800" b="1" i="0" u="none" strike="noStrike" kern="1200" cap="none" spc="0" normalizeH="0" baseline="0" noProof="0" dirty="0">
-              <a:ln w="10541" cmpd="sng">
-                <a:solidFill>
-                  <a:schemeClr val="accent1">
-                    <a:shade val="88000"/>
-                    <a:satMod val="110000"/>
-                  </a:schemeClr>
-                </a:solidFill>
-                <a:prstDash val="solid"/>
-              </a:ln>
-              <a:solidFill>
-                <a:schemeClr val="bg1"/>
-              </a:solidFill>
-              <a:effectLst>
-                <a:outerShdw blurRad="38100" dist="38100" dir="2700000" algn="tl">
-                  <a:srgbClr val="000000">
-                    <a:alpha val="43137"/>
-                  </a:srgbClr>
-                </a:outerShdw>
-              </a:effectLst>
-              <a:uLnTx/>
-              <a:uFillTx/>
-              <a:latin typeface="Garamond" pitchFamily="18" charset="0"/>
-              <a:ea typeface="+mj-ea"/>
-              <a:cs typeface="+mj-cs"/>
-            </a:endParaRPr>
-          </a:p>
-        </p:txBody>
-      </p:sp>
-      <p:sp>
-        <p:nvSpPr>
-          <p:cNvPr id="4" name="TextBox 3"/>
-          <p:cNvSpPr txBox="1"/>
-          <p:nvPr/>
-        </p:nvSpPr>
-        <p:spPr>
-          <a:xfrm>
-            <a:off x="1691333" y="1258029"/>
-            <a:ext cx="7129938" cy="5282619"/>
-          </a:xfrm>
-          <a:prstGeom prst="rect">
-            <a:avLst/>
-          </a:prstGeom>
-          <a:noFill/>
-        </p:spPr>
-        <p:txBody>
-          <a:bodyPr wrap="square" rtlCol="0">
-            <a:noAutofit/>
-          </a:bodyPr>
-          <a:lstStyle/>
-          <a:p>
-            <a:r>
-              <a:rPr lang="en-US" sz="2800" dirty="0">
-                <a:solidFill>
-                  <a:schemeClr val="bg1"/>
-                </a:solidFill>
-                <a:latin typeface="Times New Roman" panose="02020603050405020304" pitchFamily="18" charset="0"/>
-                <a:cs typeface="Times New Roman" panose="02020603050405020304" pitchFamily="18" charset="0"/>
-              </a:rPr>
-              <a:t>Imports all formats that GDAL can read in addition to </a:t>
-            </a:r>
-            <a:r>
-              <a:rPr lang="en-US" sz="2800" dirty="0" err="1">
-                <a:solidFill>
-                  <a:schemeClr val="bg1"/>
-                </a:solidFill>
-                <a:latin typeface="Times New Roman" panose="02020603050405020304" pitchFamily="18" charset="0"/>
-                <a:cs typeface="Times New Roman" panose="02020603050405020304" pitchFamily="18" charset="0"/>
-              </a:rPr>
-              <a:t>netCCF</a:t>
-            </a:r>
-            <a:r>
-              <a:rPr lang="en-US" sz="2800" dirty="0">
-                <a:solidFill>
-                  <a:schemeClr val="bg1"/>
-                </a:solidFill>
-                <a:latin typeface="Times New Roman" panose="02020603050405020304" pitchFamily="18" charset="0"/>
-                <a:cs typeface="Times New Roman" panose="02020603050405020304" pitchFamily="18" charset="0"/>
-              </a:rPr>
-              <a:t> and HDF 4/5</a:t>
-            </a:r>
-          </a:p>
-          <a:p>
-            <a:endParaRPr lang="en-US" sz="2800" dirty="0">
-              <a:solidFill>
-                <a:schemeClr val="bg1"/>
-              </a:solidFill>
-              <a:latin typeface="Times New Roman" panose="02020603050405020304" pitchFamily="18" charset="0"/>
-              <a:cs typeface="Times New Roman" panose="02020603050405020304" pitchFamily="18" charset="0"/>
-            </a:endParaRPr>
-          </a:p>
-          <a:p>
-            <a:pPr marL="457200" indent="-457200">
-              <a:buFont typeface="Arial" panose="020B0604020202020204" pitchFamily="34" charset="0"/>
-              <a:buChar char="•"/>
-            </a:pPr>
-            <a:r>
-              <a:rPr lang="en-US" sz="3200" dirty="0">
-                <a:solidFill>
-                  <a:schemeClr val="bg1"/>
-                </a:solidFill>
-                <a:latin typeface="Times New Roman" panose="02020603050405020304" pitchFamily="18" charset="0"/>
-                <a:cs typeface="Times New Roman" panose="02020603050405020304" pitchFamily="18" charset="0"/>
-              </a:rPr>
-              <a:t>Single raster – raster()</a:t>
-            </a:r>
-          </a:p>
-          <a:p>
-            <a:pPr marL="457200" indent="-457200">
-              <a:buFont typeface="Arial" panose="020B0604020202020204" pitchFamily="34" charset="0"/>
-              <a:buChar char="•"/>
-            </a:pPr>
-            <a:endParaRPr lang="en-US" sz="3200" dirty="0">
-              <a:solidFill>
-                <a:schemeClr val="bg1"/>
-              </a:solidFill>
-              <a:latin typeface="Times New Roman" panose="02020603050405020304" pitchFamily="18" charset="0"/>
-              <a:cs typeface="Times New Roman" panose="02020603050405020304" pitchFamily="18" charset="0"/>
-            </a:endParaRPr>
-          </a:p>
-          <a:p>
-            <a:pPr marL="457200" indent="-457200">
-              <a:buFont typeface="Arial" panose="020B0604020202020204" pitchFamily="34" charset="0"/>
-              <a:buChar char="•"/>
-            </a:pPr>
-            <a:r>
-              <a:rPr lang="en-US" sz="3200" dirty="0">
-                <a:solidFill>
-                  <a:schemeClr val="bg1"/>
-                </a:solidFill>
-                <a:latin typeface="Times New Roman" panose="02020603050405020304" pitchFamily="18" charset="0"/>
-                <a:cs typeface="Times New Roman" panose="02020603050405020304" pitchFamily="18" charset="0"/>
-              </a:rPr>
-              <a:t>Multiple rasters – stack() or brick()</a:t>
-            </a:r>
-          </a:p>
-          <a:p>
-            <a:endParaRPr lang="en-US" dirty="0">
-              <a:solidFill>
-                <a:schemeClr val="bg1"/>
-              </a:solidFill>
-              <a:latin typeface="Times New Roman" panose="02020603050405020304" pitchFamily="18" charset="0"/>
-              <a:cs typeface="Times New Roman" panose="02020603050405020304" pitchFamily="18" charset="0"/>
-            </a:endParaRPr>
-          </a:p>
-          <a:p>
-            <a:pPr marL="914400" lvl="1" indent="-457200">
-              <a:buFont typeface="Arial" panose="020B0604020202020204" pitchFamily="34" charset="0"/>
-              <a:buChar char="•"/>
-            </a:pPr>
-            <a:r>
-              <a:rPr lang="en-US" sz="2800" dirty="0">
-                <a:solidFill>
-                  <a:schemeClr val="bg1"/>
-                </a:solidFill>
-                <a:latin typeface="Times New Roman" panose="02020603050405020304" pitchFamily="18" charset="0"/>
-                <a:cs typeface="Times New Roman" panose="02020603050405020304" pitchFamily="18" charset="0"/>
-              </a:rPr>
-              <a:t>Requires matching origin, extent, cell resolution, rows, columns</a:t>
-            </a:r>
-          </a:p>
-          <a:p>
-            <a:pPr marL="914400" lvl="1" indent="-457200">
-              <a:buFont typeface="Arial" panose="020B0604020202020204" pitchFamily="34" charset="0"/>
-              <a:buChar char="•"/>
-            </a:pPr>
-            <a:r>
-              <a:rPr lang="en-US" sz="2800" dirty="0">
-                <a:solidFill>
-                  <a:schemeClr val="bg1"/>
-                </a:solidFill>
-                <a:latin typeface="Times New Roman" panose="02020603050405020304" pitchFamily="18" charset="0"/>
-                <a:cs typeface="Times New Roman" panose="02020603050405020304" pitchFamily="18" charset="0"/>
-              </a:rPr>
-              <a:t>Can be used to combine individual rasters.  </a:t>
-            </a:r>
-          </a:p>
-        </p:txBody>
-      </p:sp>
-    </p:spTree>
-    <p:extLst>
-      <p:ext uri="{BB962C8B-B14F-4D97-AF65-F5344CB8AC3E}">
-        <p14:creationId xmlns:p14="http://schemas.microsoft.com/office/powerpoint/2010/main" val="3863317062"/>
-      </p:ext>
-    </p:extLst>
-  </p:cSld>
-  <p:clrMapOvr>
-    <a:masterClrMapping/>
-  </p:clrMapOvr>
-  <p:transition spd="med">
-    <p:random/>
-  </p:transition>
-</p:sld>
-</file>
-
-<file path=ppt/slides/slide14.xml><?xml version="1.0" encoding="utf-8"?>
-<p:sld xmlns:a="http://schemas.openxmlformats.org/drawingml/2006/main" xmlns:r="http://schemas.openxmlformats.org/officeDocument/2006/relationships" xmlns:p="http://schemas.openxmlformats.org/presentationml/2006/main">
-  <p:cSld>
-    <p:spTree>
-      <p:nvGrpSpPr>
-        <p:cNvPr id="1" name=""/>
-        <p:cNvGrpSpPr/>
-        <p:nvPr/>
-      </p:nvGrpSpPr>
-      <p:grpSpPr>
-        <a:xfrm>
-          <a:off x="0" y="0"/>
-          <a:ext cx="0" cy="0"/>
-          <a:chOff x="0" y="0"/>
-          <a:chExt cx="0" cy="0"/>
-        </a:xfrm>
-      </p:grpSpPr>
-      <p:sp>
-        <p:nvSpPr>
-          <p:cNvPr id="2" name="Rectangle 2"/>
-          <p:cNvSpPr txBox="1">
-            <a:spLocks noChangeArrowheads="1"/>
-          </p:cNvSpPr>
-          <p:nvPr/>
-        </p:nvSpPr>
-        <p:spPr>
-          <a:xfrm>
-            <a:off x="1849437" y="381000"/>
-            <a:ext cx="4476059" cy="609600"/>
-          </a:xfrm>
-          <a:prstGeom prst="rect">
-            <a:avLst/>
-          </a:prstGeom>
-          <a:solidFill>
-            <a:schemeClr val="accent5">
-              <a:lumMod val="40000"/>
-              <a:lumOff val="60000"/>
-              <a:alpha val="40000"/>
-            </a:schemeClr>
-          </a:solidFill>
-          <a:scene3d>
-            <a:camera prst="orthographicFront"/>
-            <a:lightRig rig="threePt" dir="t"/>
-          </a:scene3d>
-          <a:sp3d>
-            <a:bevelT/>
-          </a:sp3d>
-        </p:spPr>
-        <p:txBody>
-          <a:bodyPr anchor="ctr" anchorCtr="0">
-            <a:normAutofit/>
-          </a:bodyPr>
-          <a:lstStyle/>
-          <a:p>
-            <a:pPr marL="0" marR="0" lvl="0" indent="0" algn="ctr" defTabSz="914400" rtl="0" eaLnBrk="1" fontAlgn="auto" latinLnBrk="0" hangingPunct="1">
-              <a:lnSpc>
-                <a:spcPct val="100000"/>
-              </a:lnSpc>
-              <a:spcBef>
-                <a:spcPct val="0"/>
-              </a:spcBef>
-              <a:spcAft>
-                <a:spcPts val="0"/>
-              </a:spcAft>
-              <a:buClrTx/>
-              <a:buSzTx/>
-              <a:buFontTx/>
-              <a:buNone/>
-              <a:tabLst/>
-              <a:defRPr/>
-            </a:pPr>
-            <a:r>
-              <a:rPr lang="en-US" sz="2800" b="1" dirty="0">
-                <a:ln w="10541" cmpd="sng">
-                  <a:solidFill>
-                    <a:schemeClr val="accent1">
-                      <a:shade val="88000"/>
-                      <a:satMod val="110000"/>
-                    </a:schemeClr>
-                  </a:solidFill>
-                  <a:prstDash val="solid"/>
-                </a:ln>
-                <a:solidFill>
-                  <a:schemeClr val="bg1"/>
-                </a:solidFill>
-                <a:effectLst>
-                  <a:outerShdw blurRad="38100" dist="38100" dir="2700000" algn="tl">
-                    <a:srgbClr val="000000">
-                      <a:alpha val="43137"/>
-                    </a:srgbClr>
-                  </a:outerShdw>
-                </a:effectLst>
-                <a:latin typeface="Garamond" pitchFamily="18" charset="0"/>
-                <a:ea typeface="+mj-ea"/>
-                <a:cs typeface="+mj-cs"/>
-              </a:rPr>
-              <a:t>Rasters in R – raster library </a:t>
+              <a:t>Rasters in R – terra library </a:t>
             </a:r>
             <a:endParaRPr kumimoji="0" lang="en-US" sz="2800" b="1" i="0" u="none" strike="noStrike" kern="1200" cap="none" spc="0" normalizeH="0" baseline="0" noProof="0" dirty="0">
               <a:ln w="10541" cmpd="sng">
@@ -10544,8 +9583,8 @@
         </p:nvSpPr>
         <p:spPr>
           <a:xfrm>
-            <a:off x="1905000" y="5715000"/>
-            <a:ext cx="2074607" cy="400110"/>
+            <a:off x="1730498" y="5715000"/>
+            <a:ext cx="2539478" cy="707886"/>
           </a:xfrm>
           <a:prstGeom prst="rect">
             <a:avLst/>
@@ -10569,6 +9608,7 @@
           </a:bodyPr>
           <a:lstStyle/>
           <a:p>
+            <a:pPr algn="ctr"/>
             <a:r>
               <a:rPr lang="en-US" sz="2000" dirty="0">
                 <a:solidFill>
@@ -10576,7 +9616,19 @@
                 </a:solidFill>
                 <a:latin typeface="Garamond" pitchFamily="18" charset="0"/>
               </a:rPr>
-              <a:t>Classification Scale</a:t>
+              <a:t>Classification (domain) </a:t>
+            </a:r>
+          </a:p>
+          <a:p>
+            <a:pPr algn="ctr"/>
+            <a:r>
+              <a:rPr lang="en-US" sz="2000" dirty="0">
+                <a:solidFill>
+                  <a:schemeClr val="bg1"/>
+                </a:solidFill>
+                <a:latin typeface="Garamond" pitchFamily="18" charset="0"/>
+              </a:rPr>
+              <a:t>Scale</a:t>
             </a:r>
           </a:p>
         </p:txBody>
